--- a/Matches/IDPA - Renton - November 2020/Bay 4 - Dude Your Dog Left a Grumpy.pptx
+++ b/Matches/IDPA - Renton - November 2020/Bay 4 - Dude Your Dog Left a Grumpy.pptx
@@ -335,7 +335,7 @@
               <a:pPr>
                 <a:defRPr/>
               </a:pPr>
-              <a:t>11/11/20</a:t>
+              <a:t>20.11.2020</a:t>
             </a:fld>
             <a:endParaRPr lang="en-US"/>
           </a:p>
@@ -4226,7 +4226,7 @@
           <p:nvPr>
             <p:extLst>
               <p:ext uri="{D42A27DB-BD31-4B8C-83A1-F6EECF244321}">
-                <p14:modId xmlns:p14="http://schemas.microsoft.com/office/powerpoint/2010/main" val="915889505"/>
+                <p14:modId xmlns:p14="http://schemas.microsoft.com/office/powerpoint/2010/main" val="4163099130"/>
               </p:ext>
             </p:extLst>
           </p:nvPr>
@@ -4389,7 +4389,7 @@
                         </a:rPr>
                       </a:br>
                       <a:r>
-                        <a:rPr kumimoji="0" lang="en-US" sz="1200" b="1" i="0" u="none" strike="noStrike" cap="none" normalizeH="0" baseline="0" dirty="0">
+                        <a:rPr kumimoji="0" lang="en-US" sz="1200" b="1" i="0" u="none" strike="noStrike" cap="none" normalizeH="0" baseline="0">
                           <a:ln>
                             <a:noFill/>
                           </a:ln>
@@ -4400,7 +4400,7 @@
                           <a:latin typeface="Arial" charset="0"/>
                           <a:cs typeface="Times New Roman" charset="0"/>
                         </a:rPr>
-                        <a:t>Bay X</a:t>
+                        <a:t>Bay 4</a:t>
                       </a:r>
                       <a:br>
                         <a:rPr kumimoji="0" lang="en-US" sz="1200" b="1" i="0" u="none" strike="noStrike" cap="none" normalizeH="0" baseline="0" dirty="0">
